--- a/Project_Structure.pptx
+++ b/Project_Structure.pptx
@@ -836,7 +836,7 @@
           <a:p>
             <a:fld id="{76BE66DD-DCE0-4461-9108-AC16AF2BFF66}" type="datetimeFigureOut">
               <a:rPr lang="zh-TW" altLang="en-US" smtClean="0"/>
-              <a:t>2021/6/28</a:t>
+              <a:t>2021/8/6</a:t>
             </a:fld>
             <a:endParaRPr lang="zh-TW" altLang="en-US"/>
           </a:p>
@@ -1087,7 +1087,7 @@
           <a:p>
             <a:fld id="{76BE66DD-DCE0-4461-9108-AC16AF2BFF66}" type="datetimeFigureOut">
               <a:rPr lang="zh-TW" altLang="en-US" smtClean="0"/>
-              <a:t>2021/6/28</a:t>
+              <a:t>2021/8/6</a:t>
             </a:fld>
             <a:endParaRPr lang="zh-TW" altLang="en-US"/>
           </a:p>
@@ -1401,7 +1401,7 @@
           <a:p>
             <a:fld id="{76BE66DD-DCE0-4461-9108-AC16AF2BFF66}" type="datetimeFigureOut">
               <a:rPr lang="zh-TW" altLang="en-US" smtClean="0"/>
-              <a:t>2021/6/28</a:t>
+              <a:t>2021/8/6</a:t>
             </a:fld>
             <a:endParaRPr lang="zh-TW" altLang="en-US"/>
           </a:p>
@@ -1742,7 +1742,7 @@
           <a:p>
             <a:fld id="{76BE66DD-DCE0-4461-9108-AC16AF2BFF66}" type="datetimeFigureOut">
               <a:rPr lang="zh-TW" altLang="en-US" smtClean="0"/>
-              <a:t>2021/6/28</a:t>
+              <a:t>2021/8/6</a:t>
             </a:fld>
             <a:endParaRPr lang="zh-TW" altLang="en-US"/>
           </a:p>
@@ -2056,7 +2056,7 @@
           <a:p>
             <a:fld id="{76BE66DD-DCE0-4461-9108-AC16AF2BFF66}" type="datetimeFigureOut">
               <a:rPr lang="zh-TW" altLang="en-US" smtClean="0"/>
-              <a:t>2021/6/28</a:t>
+              <a:t>2021/8/6</a:t>
             </a:fld>
             <a:endParaRPr lang="zh-TW" altLang="en-US"/>
           </a:p>
@@ -2449,7 +2449,7 @@
           <a:p>
             <a:fld id="{76BE66DD-DCE0-4461-9108-AC16AF2BFF66}" type="datetimeFigureOut">
               <a:rPr lang="zh-TW" altLang="en-US" smtClean="0"/>
-              <a:t>2021/6/28</a:t>
+              <a:t>2021/8/6</a:t>
             </a:fld>
             <a:endParaRPr lang="zh-TW" altLang="en-US"/>
           </a:p>
@@ -2619,7 +2619,7 @@
           <a:p>
             <a:fld id="{76BE66DD-DCE0-4461-9108-AC16AF2BFF66}" type="datetimeFigureOut">
               <a:rPr lang="zh-TW" altLang="en-US" smtClean="0"/>
-              <a:t>2021/6/28</a:t>
+              <a:t>2021/8/6</a:t>
             </a:fld>
             <a:endParaRPr lang="zh-TW" altLang="en-US"/>
           </a:p>
@@ -2799,7 +2799,7 @@
           <a:p>
             <a:fld id="{76BE66DD-DCE0-4461-9108-AC16AF2BFF66}" type="datetimeFigureOut">
               <a:rPr lang="zh-TW" altLang="en-US" smtClean="0"/>
-              <a:t>2021/6/28</a:t>
+              <a:t>2021/8/6</a:t>
             </a:fld>
             <a:endParaRPr lang="zh-TW" altLang="en-US"/>
           </a:p>
@@ -2975,7 +2975,7 @@
           <a:p>
             <a:fld id="{76BE66DD-DCE0-4461-9108-AC16AF2BFF66}" type="datetimeFigureOut">
               <a:rPr lang="zh-TW" altLang="en-US" smtClean="0"/>
-              <a:t>2021/6/28</a:t>
+              <a:t>2021/8/6</a:t>
             </a:fld>
             <a:endParaRPr lang="zh-TW" altLang="en-US"/>
           </a:p>
@@ -3222,7 +3222,7 @@
           <a:p>
             <a:fld id="{76BE66DD-DCE0-4461-9108-AC16AF2BFF66}" type="datetimeFigureOut">
               <a:rPr lang="zh-TW" altLang="en-US" smtClean="0"/>
-              <a:t>2021/6/28</a:t>
+              <a:t>2021/8/6</a:t>
             </a:fld>
             <a:endParaRPr lang="zh-TW" altLang="en-US"/>
           </a:p>
@@ -3454,7 +3454,7 @@
           <a:p>
             <a:fld id="{76BE66DD-DCE0-4461-9108-AC16AF2BFF66}" type="datetimeFigureOut">
               <a:rPr lang="zh-TW" altLang="en-US" smtClean="0"/>
-              <a:t>2021/6/28</a:t>
+              <a:t>2021/8/6</a:t>
             </a:fld>
             <a:endParaRPr lang="zh-TW" altLang="en-US"/>
           </a:p>
@@ -3828,7 +3828,7 @@
           <a:p>
             <a:fld id="{76BE66DD-DCE0-4461-9108-AC16AF2BFF66}" type="datetimeFigureOut">
               <a:rPr lang="zh-TW" altLang="en-US" smtClean="0"/>
-              <a:t>2021/6/28</a:t>
+              <a:t>2021/8/6</a:t>
             </a:fld>
             <a:endParaRPr lang="zh-TW" altLang="en-US"/>
           </a:p>
@@ -3951,7 +3951,7 @@
           <a:p>
             <a:fld id="{76BE66DD-DCE0-4461-9108-AC16AF2BFF66}" type="datetimeFigureOut">
               <a:rPr lang="zh-TW" altLang="en-US" smtClean="0"/>
-              <a:t>2021/6/28</a:t>
+              <a:t>2021/8/6</a:t>
             </a:fld>
             <a:endParaRPr lang="zh-TW" altLang="en-US"/>
           </a:p>
@@ -4046,7 +4046,7 @@
           <a:p>
             <a:fld id="{76BE66DD-DCE0-4461-9108-AC16AF2BFF66}" type="datetimeFigureOut">
               <a:rPr lang="zh-TW" altLang="en-US" smtClean="0"/>
-              <a:t>2021/6/28</a:t>
+              <a:t>2021/8/6</a:t>
             </a:fld>
             <a:endParaRPr lang="zh-TW" altLang="en-US"/>
           </a:p>
@@ -4301,7 +4301,7 @@
           <a:p>
             <a:fld id="{76BE66DD-DCE0-4461-9108-AC16AF2BFF66}" type="datetimeFigureOut">
               <a:rPr lang="zh-TW" altLang="en-US" smtClean="0"/>
-              <a:t>2021/6/28</a:t>
+              <a:t>2021/8/6</a:t>
             </a:fld>
             <a:endParaRPr lang="zh-TW" altLang="en-US"/>
           </a:p>
@@ -4564,7 +4564,7 @@
           <a:p>
             <a:fld id="{76BE66DD-DCE0-4461-9108-AC16AF2BFF66}" type="datetimeFigureOut">
               <a:rPr lang="zh-TW" altLang="en-US" smtClean="0"/>
-              <a:t>2021/6/28</a:t>
+              <a:t>2021/8/6</a:t>
             </a:fld>
             <a:endParaRPr lang="zh-TW" altLang="en-US"/>
           </a:p>
@@ -5307,7 +5307,7 @@
           <a:p>
             <a:fld id="{76BE66DD-DCE0-4461-9108-AC16AF2BFF66}" type="datetimeFigureOut">
               <a:rPr lang="zh-TW" altLang="en-US" smtClean="0"/>
-              <a:t>2021/6/28</a:t>
+              <a:t>2021/8/6</a:t>
             </a:fld>
             <a:endParaRPr lang="zh-TW" altLang="en-US"/>
           </a:p>
@@ -6770,7 +6770,7 @@
             <a:pPr algn="ctr"/>
             <a:r>
               <a:rPr lang="en-US" altLang="zh-TW"/>
-              <a:t>~app_entry.html</a:t>
+              <a:t>{app_entry}.html</a:t>
             </a:r>
           </a:p>
           <a:p>
@@ -6895,7 +6895,7 @@
             <a:pPr algn="ctr"/>
             <a:r>
               <a:rPr lang="en-US" altLang="zh-TW" b="1"/>
-              <a:t>~app_entry.html</a:t>
+              <a:t>{app_entry}.html</a:t>
             </a:r>
           </a:p>
           <a:p>
@@ -6929,8 +6929,8 @@
         </p:nvSpPr>
         <p:spPr>
           <a:xfrm>
-            <a:off x="6484363" y="2971648"/>
-            <a:ext cx="2053303" cy="742123"/>
+            <a:off x="6484363" y="2665386"/>
+            <a:ext cx="2053303" cy="1048386"/>
           </a:xfrm>
           <a:prstGeom prst="rect">
             <a:avLst/>
@@ -6955,6 +6955,20 @@
         <p:txBody>
           <a:bodyPr rtlCol="0" anchor="ctr"/>
           <a:lstStyle/>
+          <a:p>
+            <a:pPr algn="ctr"/>
+            <a:r>
+              <a:rPr lang="en-US" altLang="zh-TW">
+                <a:solidFill>
+                  <a:srgbClr val="7030A0"/>
+                </a:solidFill>
+                <a:highlight>
+                  <a:srgbClr val="FFFF00"/>
+                </a:highlight>
+              </a:rPr>
+              <a:t>nlib/</a:t>
+            </a:r>
+          </a:p>
           <a:p>
             <a:pPr algn="ctr"/>
             <a:r>
@@ -7691,7 +7705,7 @@
             <a:pPr algn="ctr"/>
             <a:r>
               <a:rPr lang="en-US" altLang="zh-TW" b="1"/>
-              <a:t>~app_entry.html</a:t>
+              <a:t>{app_entry}.html</a:t>
             </a:r>
           </a:p>
           <a:p>
